--- a/SLIDES.pptx
+++ b/SLIDES.pptx
@@ -5,11 +5,14 @@
     <p:sldMasterId id="2147483648" r:id="rId1"/>
   </p:sldMasterIdLst>
   <p:sldIdLst>
-    <p:sldId id="256" r:id="rId2"/>
-    <p:sldId id="257" r:id="rId3"/>
-    <p:sldId id="258" r:id="rId4"/>
-    <p:sldId id="259" r:id="rId5"/>
-    <p:sldId id="260" r:id="rId6"/>
+    <p:sldId id="256" r:id="rId7"/>
+    <p:sldId id="257" r:id="rId8"/>
+    <p:sldId id="258" r:id="rId9"/>
+    <p:sldId id="259" r:id="rId10"/>
+    <p:sldId id="260" r:id="rId11"/>
+    <p:sldId id="261" r:id="rId12"/>
+    <p:sldId id="262" r:id="rId13"/>
+    <p:sldId id="263" r:id="rId14"/>
   </p:sldIdLst>
   <p:sldSz cx="9144000" cy="6858000" type="screen4x3"/>
   <p:notesSz cx="6858000" cy="9144000"/>
@@ -108,22 +111,6 @@
       </a:defRPr>
     </a:lvl9pPr>
   </p:defaultTextStyle>
-  <p:extLst>
-    <p:ext uri="{EFAFB233-063F-42B5-8137-9DF3F51BA10A}">
-      <p15:sldGuideLst xmlns:p15="http://schemas.microsoft.com/office/powerpoint/2012/main">
-        <p15:guide id="1" orient="horz" pos="2160">
-          <p15:clr>
-            <a:srgbClr val="A4A3A4"/>
-          </p15:clr>
-        </p15:guide>
-        <p15:guide id="2" pos="2880">
-          <p15:clr>
-            <a:srgbClr val="A4A3A4"/>
-          </p15:clr>
-        </p15:guide>
-      </p15:sldGuideLst>
-    </p:ext>
-  </p:extLst>
 </p:presentation>
 </file>
 
@@ -165,9 +152,10 @@
           <a:lstStyle/>
           <a:p>
             <a:r>
-              <a:rPr lang="en-US"/>
+              <a:rPr lang="en-US" smtClean="0"/>
               <a:t>Click to edit Master title style</a:t>
             </a:r>
+            <a:endParaRPr lang="en-US"/>
           </a:p>
         </p:txBody>
       </p:sp>
@@ -283,9 +271,10 @@
           </a:lstStyle>
           <a:p>
             <a:r>
-              <a:rPr lang="en-US"/>
+              <a:rPr lang="en-US" smtClean="0"/>
               <a:t>Click to edit Master subtitle style</a:t>
             </a:r>
+            <a:endParaRPr lang="en-US"/>
           </a:p>
         </p:txBody>
       </p:sp>
@@ -306,7 +295,7 @@
           <a:p>
             <a:fld id="{5BCAD085-E8A6-8845-BD4E-CB4CCA059FC4}" type="datetimeFigureOut">
               <a:rPr lang="en-US" smtClean="0"/>
-              <a:t>10/14/2025</a:t>
+              <a:t>1/27/13</a:t>
             </a:fld>
             <a:endParaRPr lang="en-US"/>
           </a:p>
@@ -400,9 +389,10 @@
           <a:lstStyle/>
           <a:p>
             <a:r>
-              <a:rPr lang="en-US"/>
+              <a:rPr lang="en-US" smtClean="0"/>
               <a:t>Click to edit Master title style</a:t>
             </a:r>
+            <a:endParaRPr lang="en-US"/>
           </a:p>
         </p:txBody>
       </p:sp>
@@ -423,37 +413,38 @@
           <a:p>
             <a:pPr lvl="0"/>
             <a:r>
-              <a:rPr lang="en-US"/>
+              <a:rPr lang="en-US" smtClean="0"/>
               <a:t>Click to edit Master text styles</a:t>
             </a:r>
           </a:p>
           <a:p>
             <a:pPr lvl="1"/>
             <a:r>
-              <a:rPr lang="en-US"/>
+              <a:rPr lang="en-US" smtClean="0"/>
               <a:t>Second level</a:t>
             </a:r>
           </a:p>
           <a:p>
             <a:pPr lvl="2"/>
             <a:r>
-              <a:rPr lang="en-US"/>
+              <a:rPr lang="en-US" smtClean="0"/>
               <a:t>Third level</a:t>
             </a:r>
           </a:p>
           <a:p>
             <a:pPr lvl="3"/>
             <a:r>
-              <a:rPr lang="en-US"/>
+              <a:rPr lang="en-US" smtClean="0"/>
               <a:t>Fourth level</a:t>
             </a:r>
           </a:p>
           <a:p>
             <a:pPr lvl="4"/>
             <a:r>
-              <a:rPr lang="en-US"/>
+              <a:rPr lang="en-US" smtClean="0"/>
               <a:t>Fifth level</a:t>
             </a:r>
+            <a:endParaRPr lang="en-US"/>
           </a:p>
         </p:txBody>
       </p:sp>
@@ -474,7 +465,7 @@
           <a:p>
             <a:fld id="{5BCAD085-E8A6-8845-BD4E-CB4CCA059FC4}" type="datetimeFigureOut">
               <a:rPr lang="en-US" smtClean="0"/>
-              <a:t>10/14/2025</a:t>
+              <a:t>1/27/13</a:t>
             </a:fld>
             <a:endParaRPr lang="en-US"/>
           </a:p>
@@ -573,9 +564,10 @@
           <a:lstStyle/>
           <a:p>
             <a:r>
-              <a:rPr lang="en-US"/>
+              <a:rPr lang="en-US" smtClean="0"/>
               <a:t>Click to edit Master title style</a:t>
             </a:r>
+            <a:endParaRPr lang="en-US"/>
           </a:p>
         </p:txBody>
       </p:sp>
@@ -601,37 +593,38 @@
           <a:p>
             <a:pPr lvl="0"/>
             <a:r>
-              <a:rPr lang="en-US"/>
+              <a:rPr lang="en-US" smtClean="0"/>
               <a:t>Click to edit Master text styles</a:t>
             </a:r>
           </a:p>
           <a:p>
             <a:pPr lvl="1"/>
             <a:r>
-              <a:rPr lang="en-US"/>
+              <a:rPr lang="en-US" smtClean="0"/>
               <a:t>Second level</a:t>
             </a:r>
           </a:p>
           <a:p>
             <a:pPr lvl="2"/>
             <a:r>
-              <a:rPr lang="en-US"/>
+              <a:rPr lang="en-US" smtClean="0"/>
               <a:t>Third level</a:t>
             </a:r>
           </a:p>
           <a:p>
             <a:pPr lvl="3"/>
             <a:r>
-              <a:rPr lang="en-US"/>
+              <a:rPr lang="en-US" smtClean="0"/>
               <a:t>Fourth level</a:t>
             </a:r>
           </a:p>
           <a:p>
             <a:pPr lvl="4"/>
             <a:r>
-              <a:rPr lang="en-US"/>
+              <a:rPr lang="en-US" smtClean="0"/>
               <a:t>Fifth level</a:t>
             </a:r>
+            <a:endParaRPr lang="en-US"/>
           </a:p>
         </p:txBody>
       </p:sp>
@@ -652,7 +645,7 @@
           <a:p>
             <a:fld id="{5BCAD085-E8A6-8845-BD4E-CB4CCA059FC4}" type="datetimeFigureOut">
               <a:rPr lang="en-US" smtClean="0"/>
-              <a:t>10/14/2025</a:t>
+              <a:t>1/27/13</a:t>
             </a:fld>
             <a:endParaRPr lang="en-US"/>
           </a:p>
@@ -746,9 +739,10 @@
           <a:lstStyle/>
           <a:p>
             <a:r>
-              <a:rPr lang="en-US"/>
+              <a:rPr lang="en-US" smtClean="0"/>
               <a:t>Click to edit Master title style</a:t>
             </a:r>
+            <a:endParaRPr lang="en-US"/>
           </a:p>
         </p:txBody>
       </p:sp>
@@ -769,37 +763,38 @@
           <a:p>
             <a:pPr lvl="0"/>
             <a:r>
-              <a:rPr lang="en-US"/>
+              <a:rPr lang="en-US" smtClean="0"/>
               <a:t>Click to edit Master text styles</a:t>
             </a:r>
           </a:p>
           <a:p>
             <a:pPr lvl="1"/>
             <a:r>
-              <a:rPr lang="en-US"/>
+              <a:rPr lang="en-US" smtClean="0"/>
               <a:t>Second level</a:t>
             </a:r>
           </a:p>
           <a:p>
             <a:pPr lvl="2"/>
             <a:r>
-              <a:rPr lang="en-US"/>
+              <a:rPr lang="en-US" smtClean="0"/>
               <a:t>Third level</a:t>
             </a:r>
           </a:p>
           <a:p>
             <a:pPr lvl="3"/>
             <a:r>
-              <a:rPr lang="en-US"/>
+              <a:rPr lang="en-US" smtClean="0"/>
               <a:t>Fourth level</a:t>
             </a:r>
           </a:p>
           <a:p>
             <a:pPr lvl="4"/>
             <a:r>
-              <a:rPr lang="en-US"/>
+              <a:rPr lang="en-US" smtClean="0"/>
               <a:t>Fifth level</a:t>
             </a:r>
+            <a:endParaRPr lang="en-US"/>
           </a:p>
         </p:txBody>
       </p:sp>
@@ -820,7 +815,7 @@
           <a:p>
             <a:fld id="{5BCAD085-E8A6-8845-BD4E-CB4CCA059FC4}" type="datetimeFigureOut">
               <a:rPr lang="en-US" smtClean="0"/>
-              <a:t>10/14/2025</a:t>
+              <a:t>1/27/13</a:t>
             </a:fld>
             <a:endParaRPr lang="en-US"/>
           </a:p>
@@ -923,9 +918,10 @@
           </a:lstStyle>
           <a:p>
             <a:r>
-              <a:rPr lang="en-US"/>
+              <a:rPr lang="en-US" smtClean="0"/>
               <a:t>Click to edit Master title style</a:t>
             </a:r>
+            <a:endParaRPr lang="en-US"/>
           </a:p>
         </p:txBody>
       </p:sp>
@@ -1042,7 +1038,7 @@
           <a:p>
             <a:pPr lvl="0"/>
             <a:r>
-              <a:rPr lang="en-US"/>
+              <a:rPr lang="en-US" smtClean="0"/>
               <a:t>Click to edit Master text styles</a:t>
             </a:r>
           </a:p>
@@ -1065,7 +1061,7 @@
           <a:p>
             <a:fld id="{5BCAD085-E8A6-8845-BD4E-CB4CCA059FC4}" type="datetimeFigureOut">
               <a:rPr lang="en-US" smtClean="0"/>
-              <a:t>10/14/2025</a:t>
+              <a:t>1/27/13</a:t>
             </a:fld>
             <a:endParaRPr lang="en-US"/>
           </a:p>
@@ -1159,9 +1155,10 @@
           <a:lstStyle/>
           <a:p>
             <a:r>
-              <a:rPr lang="en-US"/>
+              <a:rPr lang="en-US" smtClean="0"/>
               <a:t>Click to edit Master title style</a:t>
             </a:r>
+            <a:endParaRPr lang="en-US"/>
           </a:p>
         </p:txBody>
       </p:sp>
@@ -1215,37 +1212,38 @@
           <a:p>
             <a:pPr lvl="0"/>
             <a:r>
-              <a:rPr lang="en-US"/>
+              <a:rPr lang="en-US" smtClean="0"/>
               <a:t>Click to edit Master text styles</a:t>
             </a:r>
           </a:p>
           <a:p>
             <a:pPr lvl="1"/>
             <a:r>
-              <a:rPr lang="en-US"/>
+              <a:rPr lang="en-US" smtClean="0"/>
               <a:t>Second level</a:t>
             </a:r>
           </a:p>
           <a:p>
             <a:pPr lvl="2"/>
             <a:r>
-              <a:rPr lang="en-US"/>
+              <a:rPr lang="en-US" smtClean="0"/>
               <a:t>Third level</a:t>
             </a:r>
           </a:p>
           <a:p>
             <a:pPr lvl="3"/>
             <a:r>
-              <a:rPr lang="en-US"/>
+              <a:rPr lang="en-US" smtClean="0"/>
               <a:t>Fourth level</a:t>
             </a:r>
           </a:p>
           <a:p>
             <a:pPr lvl="4"/>
             <a:r>
-              <a:rPr lang="en-US"/>
+              <a:rPr lang="en-US" smtClean="0"/>
               <a:t>Fifth level</a:t>
             </a:r>
+            <a:endParaRPr lang="en-US"/>
           </a:p>
         </p:txBody>
       </p:sp>
@@ -1299,37 +1297,38 @@
           <a:p>
             <a:pPr lvl="0"/>
             <a:r>
-              <a:rPr lang="en-US"/>
+              <a:rPr lang="en-US" smtClean="0"/>
               <a:t>Click to edit Master text styles</a:t>
             </a:r>
           </a:p>
           <a:p>
             <a:pPr lvl="1"/>
             <a:r>
-              <a:rPr lang="en-US"/>
+              <a:rPr lang="en-US" smtClean="0"/>
               <a:t>Second level</a:t>
             </a:r>
           </a:p>
           <a:p>
             <a:pPr lvl="2"/>
             <a:r>
-              <a:rPr lang="en-US"/>
+              <a:rPr lang="en-US" smtClean="0"/>
               <a:t>Third level</a:t>
             </a:r>
           </a:p>
           <a:p>
             <a:pPr lvl="3"/>
             <a:r>
-              <a:rPr lang="en-US"/>
+              <a:rPr lang="en-US" smtClean="0"/>
               <a:t>Fourth level</a:t>
             </a:r>
           </a:p>
           <a:p>
             <a:pPr lvl="4"/>
             <a:r>
-              <a:rPr lang="en-US"/>
+              <a:rPr lang="en-US" smtClean="0"/>
               <a:t>Fifth level</a:t>
             </a:r>
+            <a:endParaRPr lang="en-US"/>
           </a:p>
         </p:txBody>
       </p:sp>
@@ -1350,7 +1349,7 @@
           <a:p>
             <a:fld id="{5BCAD085-E8A6-8845-BD4E-CB4CCA059FC4}" type="datetimeFigureOut">
               <a:rPr lang="en-US" smtClean="0"/>
-              <a:t>10/14/2025</a:t>
+              <a:t>1/27/13</a:t>
             </a:fld>
             <a:endParaRPr lang="en-US"/>
           </a:p>
@@ -1448,9 +1447,10 @@
           </a:lstStyle>
           <a:p>
             <a:r>
-              <a:rPr lang="en-US"/>
+              <a:rPr lang="en-US" smtClean="0"/>
               <a:t>Click to edit Master title style</a:t>
             </a:r>
+            <a:endParaRPr lang="en-US"/>
           </a:p>
         </p:txBody>
       </p:sp>
@@ -1513,7 +1513,7 @@
           <a:p>
             <a:pPr lvl="0"/>
             <a:r>
-              <a:rPr lang="en-US"/>
+              <a:rPr lang="en-US" smtClean="0"/>
               <a:t>Click to edit Master text styles</a:t>
             </a:r>
           </a:p>
@@ -1569,37 +1569,38 @@
           <a:p>
             <a:pPr lvl="0"/>
             <a:r>
-              <a:rPr lang="en-US"/>
+              <a:rPr lang="en-US" smtClean="0"/>
               <a:t>Click to edit Master text styles</a:t>
             </a:r>
           </a:p>
           <a:p>
             <a:pPr lvl="1"/>
             <a:r>
-              <a:rPr lang="en-US"/>
+              <a:rPr lang="en-US" smtClean="0"/>
               <a:t>Second level</a:t>
             </a:r>
           </a:p>
           <a:p>
             <a:pPr lvl="2"/>
             <a:r>
-              <a:rPr lang="en-US"/>
+              <a:rPr lang="en-US" smtClean="0"/>
               <a:t>Third level</a:t>
             </a:r>
           </a:p>
           <a:p>
             <a:pPr lvl="3"/>
             <a:r>
-              <a:rPr lang="en-US"/>
+              <a:rPr lang="en-US" smtClean="0"/>
               <a:t>Fourth level</a:t>
             </a:r>
           </a:p>
           <a:p>
             <a:pPr lvl="4"/>
             <a:r>
-              <a:rPr lang="en-US"/>
+              <a:rPr lang="en-US" smtClean="0"/>
               <a:t>Fifth level</a:t>
             </a:r>
+            <a:endParaRPr lang="en-US"/>
           </a:p>
         </p:txBody>
       </p:sp>
@@ -1662,7 +1663,7 @@
           <a:p>
             <a:pPr lvl="0"/>
             <a:r>
-              <a:rPr lang="en-US"/>
+              <a:rPr lang="en-US" smtClean="0"/>
               <a:t>Click to edit Master text styles</a:t>
             </a:r>
           </a:p>
@@ -1718,37 +1719,38 @@
           <a:p>
             <a:pPr lvl="0"/>
             <a:r>
-              <a:rPr lang="en-US"/>
+              <a:rPr lang="en-US" smtClean="0"/>
               <a:t>Click to edit Master text styles</a:t>
             </a:r>
           </a:p>
           <a:p>
             <a:pPr lvl="1"/>
             <a:r>
-              <a:rPr lang="en-US"/>
+              <a:rPr lang="en-US" smtClean="0"/>
               <a:t>Second level</a:t>
             </a:r>
           </a:p>
           <a:p>
             <a:pPr lvl="2"/>
             <a:r>
-              <a:rPr lang="en-US"/>
+              <a:rPr lang="en-US" smtClean="0"/>
               <a:t>Third level</a:t>
             </a:r>
           </a:p>
           <a:p>
             <a:pPr lvl="3"/>
             <a:r>
-              <a:rPr lang="en-US"/>
+              <a:rPr lang="en-US" smtClean="0"/>
               <a:t>Fourth level</a:t>
             </a:r>
           </a:p>
           <a:p>
             <a:pPr lvl="4"/>
             <a:r>
-              <a:rPr lang="en-US"/>
+              <a:rPr lang="en-US" smtClean="0"/>
               <a:t>Fifth level</a:t>
             </a:r>
+            <a:endParaRPr lang="en-US"/>
           </a:p>
         </p:txBody>
       </p:sp>
@@ -1769,7 +1771,7 @@
           <a:p>
             <a:fld id="{5BCAD085-E8A6-8845-BD4E-CB4CCA059FC4}" type="datetimeFigureOut">
               <a:rPr lang="en-US" smtClean="0"/>
-              <a:t>10/14/2025</a:t>
+              <a:t>1/27/13</a:t>
             </a:fld>
             <a:endParaRPr lang="en-US"/>
           </a:p>
@@ -1863,9 +1865,10 @@
           <a:lstStyle/>
           <a:p>
             <a:r>
-              <a:rPr lang="en-US"/>
+              <a:rPr lang="en-US" smtClean="0"/>
               <a:t>Click to edit Master title style</a:t>
             </a:r>
+            <a:endParaRPr lang="en-US"/>
           </a:p>
         </p:txBody>
       </p:sp>
@@ -1886,7 +1889,7 @@
           <a:p>
             <a:fld id="{5BCAD085-E8A6-8845-BD4E-CB4CCA059FC4}" type="datetimeFigureOut">
               <a:rPr lang="en-US" smtClean="0"/>
-              <a:t>10/14/2025</a:t>
+              <a:t>1/27/13</a:t>
             </a:fld>
             <a:endParaRPr lang="en-US"/>
           </a:p>
@@ -1981,7 +1984,7 @@
           <a:p>
             <a:fld id="{5BCAD085-E8A6-8845-BD4E-CB4CCA059FC4}" type="datetimeFigureOut">
               <a:rPr lang="en-US" smtClean="0"/>
-              <a:t>10/14/2025</a:t>
+              <a:t>1/27/13</a:t>
             </a:fld>
             <a:endParaRPr lang="en-US"/>
           </a:p>
@@ -2084,9 +2087,10 @@
           </a:lstStyle>
           <a:p>
             <a:r>
-              <a:rPr lang="en-US"/>
+              <a:rPr lang="en-US" smtClean="0"/>
               <a:t>Click to edit Master title style</a:t>
             </a:r>
+            <a:endParaRPr lang="en-US"/>
           </a:p>
         </p:txBody>
       </p:sp>
@@ -2140,37 +2144,38 @@
           <a:p>
             <a:pPr lvl="0"/>
             <a:r>
-              <a:rPr lang="en-US"/>
+              <a:rPr lang="en-US" smtClean="0"/>
               <a:t>Click to edit Master text styles</a:t>
             </a:r>
           </a:p>
           <a:p>
             <a:pPr lvl="1"/>
             <a:r>
-              <a:rPr lang="en-US"/>
+              <a:rPr lang="en-US" smtClean="0"/>
               <a:t>Second level</a:t>
             </a:r>
           </a:p>
           <a:p>
             <a:pPr lvl="2"/>
             <a:r>
-              <a:rPr lang="en-US"/>
+              <a:rPr lang="en-US" smtClean="0"/>
               <a:t>Third level</a:t>
             </a:r>
           </a:p>
           <a:p>
             <a:pPr lvl="3"/>
             <a:r>
-              <a:rPr lang="en-US"/>
+              <a:rPr lang="en-US" smtClean="0"/>
               <a:t>Fourth level</a:t>
             </a:r>
           </a:p>
           <a:p>
             <a:pPr lvl="4"/>
             <a:r>
-              <a:rPr lang="en-US"/>
+              <a:rPr lang="en-US" smtClean="0"/>
               <a:t>Fifth level</a:t>
             </a:r>
+            <a:endParaRPr lang="en-US"/>
           </a:p>
         </p:txBody>
       </p:sp>
@@ -2233,7 +2238,7 @@
           <a:p>
             <a:pPr lvl="0"/>
             <a:r>
-              <a:rPr lang="en-US"/>
+              <a:rPr lang="en-US" smtClean="0"/>
               <a:t>Click to edit Master text styles</a:t>
             </a:r>
           </a:p>
@@ -2256,7 +2261,7 @@
           <a:p>
             <a:fld id="{5BCAD085-E8A6-8845-BD4E-CB4CCA059FC4}" type="datetimeFigureOut">
               <a:rPr lang="en-US" smtClean="0"/>
-              <a:t>10/14/2025</a:t>
+              <a:t>1/27/13</a:t>
             </a:fld>
             <a:endParaRPr lang="en-US"/>
           </a:p>
@@ -2359,9 +2364,10 @@
           </a:lstStyle>
           <a:p>
             <a:r>
-              <a:rPr lang="en-US"/>
+              <a:rPr lang="en-US" smtClean="0"/>
               <a:t>Click to edit Master title style</a:t>
             </a:r>
+            <a:endParaRPr lang="en-US"/>
           </a:p>
         </p:txBody>
       </p:sp>
@@ -2485,7 +2491,7 @@
           <a:p>
             <a:pPr lvl="0"/>
             <a:r>
-              <a:rPr lang="en-US"/>
+              <a:rPr lang="en-US" smtClean="0"/>
               <a:t>Click to edit Master text styles</a:t>
             </a:r>
           </a:p>
@@ -2508,7 +2514,7 @@
           <a:p>
             <a:fld id="{5BCAD085-E8A6-8845-BD4E-CB4CCA059FC4}" type="datetimeFigureOut">
               <a:rPr lang="en-US" smtClean="0"/>
-              <a:t>10/14/2025</a:t>
+              <a:t>1/27/13</a:t>
             </a:fld>
             <a:endParaRPr lang="en-US"/>
           </a:p>
@@ -2617,9 +2623,10 @@
           <a:lstStyle/>
           <a:p>
             <a:r>
-              <a:rPr lang="en-US"/>
+              <a:rPr lang="en-US" smtClean="0"/>
               <a:t>Click to edit Master title style</a:t>
             </a:r>
+            <a:endParaRPr lang="en-US"/>
           </a:p>
         </p:txBody>
       </p:sp>
@@ -2650,37 +2657,38 @@
           <a:p>
             <a:pPr lvl="0"/>
             <a:r>
-              <a:rPr lang="en-US"/>
+              <a:rPr lang="en-US" smtClean="0"/>
               <a:t>Click to edit Master text styles</a:t>
             </a:r>
           </a:p>
           <a:p>
             <a:pPr lvl="1"/>
             <a:r>
-              <a:rPr lang="en-US"/>
+              <a:rPr lang="en-US" smtClean="0"/>
               <a:t>Second level</a:t>
             </a:r>
           </a:p>
           <a:p>
             <a:pPr lvl="2"/>
             <a:r>
-              <a:rPr lang="en-US"/>
+              <a:rPr lang="en-US" smtClean="0"/>
               <a:t>Third level</a:t>
             </a:r>
           </a:p>
           <a:p>
             <a:pPr lvl="3"/>
             <a:r>
-              <a:rPr lang="en-US"/>
+              <a:rPr lang="en-US" smtClean="0"/>
               <a:t>Fourth level</a:t>
             </a:r>
           </a:p>
           <a:p>
             <a:pPr lvl="4"/>
             <a:r>
-              <a:rPr lang="en-US"/>
+              <a:rPr lang="en-US" smtClean="0"/>
               <a:t>Fifth level</a:t>
             </a:r>
+            <a:endParaRPr lang="en-US"/>
           </a:p>
         </p:txBody>
       </p:sp>
@@ -2719,7 +2727,7 @@
           <a:p>
             <a:fld id="{5BCAD085-E8A6-8845-BD4E-CB4CCA059FC4}" type="datetimeFigureOut">
               <a:rPr lang="en-US" smtClean="0"/>
-              <a:t>10/14/2025</a:t>
+              <a:t>1/27/13</a:t>
             </a:fld>
             <a:endParaRPr lang="en-US"/>
           </a:p>
@@ -3078,7 +3086,7 @@
 </file>
 
 <file path=ppt/slides/slide1.xml><?xml version="1.0" encoding="utf-8"?>
-<p:sld xmlns:a="http://schemas.openxmlformats.org/drawingml/2006/main" xmlns:r="http://schemas.openxmlformats.org/officeDocument/2006/relationships" xmlns:p="http://schemas.openxmlformats.org/presentationml/2006/main">
+<p:sld xmlns:a="http://schemas.openxmlformats.org/drawingml/2006/main" xmlns:p="http://schemas.openxmlformats.org/presentationml/2006/main" xmlns:r="http://schemas.openxmlformats.org/officeDocument/2006/relationships">
   <p:cSld>
     <p:spTree>
       <p:nvGrpSpPr>
@@ -3086,14 +3094,7 @@
         <p:cNvGrpSpPr/>
         <p:nvPr/>
       </p:nvGrpSpPr>
-      <p:grpSpPr>
-        <a:xfrm>
-          <a:off x="0" y="0"/>
-          <a:ext cx="0" cy="0"/>
-          <a:chOff x="0" y="0"/>
-          <a:chExt cx="0" cy="0"/>
-        </a:xfrm>
-      </p:grpSpPr>
+      <p:grpSpPr/>
       <p:sp>
         <p:nvSpPr>
           <p:cNvPr id="2" name="Title 1"/>
@@ -3131,8 +3132,7 @@
           <a:lstStyle/>
           <a:p>
             <a:r>
-              <a:rPr dirty="0"/>
-              <a:t>MET CS 777 – Srivatsav Shrikanth (sri99)</a:t>
+              <a:t>MET CS 777 - Srivatsav Shrikanth (sri99-svg)</a:t>
             </a:r>
           </a:p>
         </p:txBody>
@@ -3146,7 +3146,7 @@
 </file>
 
 <file path=ppt/slides/slide2.xml><?xml version="1.0" encoding="utf-8"?>
-<p:sld xmlns:a="http://schemas.openxmlformats.org/drawingml/2006/main" xmlns:r="http://schemas.openxmlformats.org/officeDocument/2006/relationships" xmlns:p="http://schemas.openxmlformats.org/presentationml/2006/main">
+<p:sld xmlns:a="http://schemas.openxmlformats.org/drawingml/2006/main" xmlns:p="http://schemas.openxmlformats.org/presentationml/2006/main" xmlns:r="http://schemas.openxmlformats.org/officeDocument/2006/relationships">
   <p:cSld>
     <p:spTree>
       <p:nvGrpSpPr>
@@ -3154,14 +3154,7 @@
         <p:cNvGrpSpPr/>
         <p:nvPr/>
       </p:nvGrpSpPr>
-      <p:grpSpPr>
-        <a:xfrm>
-          <a:off x="0" y="0"/>
-          <a:ext cx="0" cy="0"/>
-          <a:chOff x="0" y="0"/>
-          <a:chExt cx="0" cy="0"/>
-        </a:xfrm>
-      </p:grpSpPr>
+      <p:grpSpPr/>
       <p:sp>
         <p:nvSpPr>
           <p:cNvPr id="2" name="Title 1"/>
@@ -3197,32 +3190,35 @@
         <p:txBody>
           <a:bodyPr/>
           <a:lstStyle/>
-          <a:p>
-            <a:endParaRPr/>
-          </a:p>
-          <a:p>
+          <a:p/>
+          <a:p>
+            <a:pPr/>
             <a:r>
               <a:t>Problem &amp; Data</a:t>
             </a:r>
           </a:p>
           <a:p>
+            <a:pPr/>
             <a:r>
               <a:t>Methodology (ALS)</a:t>
             </a:r>
           </a:p>
           <a:p>
-            <a:r>
-              <a:t>How to Run</a:t>
-            </a:r>
-          </a:p>
-          <a:p>
-            <a:r>
-              <a:t>Results (K=50)</a:t>
-            </a:r>
-          </a:p>
-          <a:p>
-            <a:r>
-              <a:t>Next Steps</a:t>
+            <a:pPr/>
+            <a:r>
+              <a:t>Pipeline &amp; Repro</a:t>
+            </a:r>
+          </a:p>
+          <a:p>
+            <a:pPr/>
+            <a:r>
+              <a:t>Results (P@K / R@K / NDCG@K)</a:t>
+            </a:r>
+          </a:p>
+          <a:p>
+            <a:pPr/>
+            <a:r>
+              <a:t>Conclusion &amp; Next Steps</a:t>
             </a:r>
           </a:p>
         </p:txBody>
@@ -3236,7 +3232,7 @@
 </file>
 
 <file path=ppt/slides/slide3.xml><?xml version="1.0" encoding="utf-8"?>
-<p:sld xmlns:a="http://schemas.openxmlformats.org/drawingml/2006/main" xmlns:r="http://schemas.openxmlformats.org/officeDocument/2006/relationships" xmlns:p="http://schemas.openxmlformats.org/presentationml/2006/main">
+<p:sld xmlns:a="http://schemas.openxmlformats.org/drawingml/2006/main" xmlns:p="http://schemas.openxmlformats.org/presentationml/2006/main" xmlns:r="http://schemas.openxmlformats.org/officeDocument/2006/relationships">
   <p:cSld>
     <p:spTree>
       <p:nvGrpSpPr>
@@ -3244,14 +3240,7 @@
         <p:cNvGrpSpPr/>
         <p:nvPr/>
       </p:nvGrpSpPr>
-      <p:grpSpPr>
-        <a:xfrm>
-          <a:off x="0" y="0"/>
-          <a:ext cx="0" cy="0"/>
-          <a:chOff x="0" y="0"/>
-          <a:chExt cx="0" cy="0"/>
-        </a:xfrm>
-      </p:grpSpPr>
+      <p:grpSpPr/>
       <p:sp>
         <p:nvSpPr>
           <p:cNvPr id="2" name="Title 1"/>
@@ -3268,7 +3257,7 @@
           <a:lstStyle/>
           <a:p>
             <a:r>
-              <a:t>How to Run (quickcheck)</a:t>
+              <a:t>Problem &amp; Data</a:t>
             </a:r>
           </a:p>
         </p:txBody>
@@ -3289,12 +3278,22 @@
           <a:lstStyle/>
           <a:p>
             <a:r>
-              <a:t>spark-submit ... (see README)</a:t>
-            </a:r>
-          </a:p>
-          <a:p>
-            <a:r>
-              <a:t>Global split 0.9, exclude-seen eval</a:t>
+              <a:t>Goal: top-N recommendations from explicit ratings.</a:t>
+            </a:r>
+          </a:p>
+          <a:p>
+            <a:r>
+              <a:t>Ratings schema: user_id, item_id, rating</a:t>
+            </a:r>
+          </a:p>
+          <a:p>
+            <a:r>
+              <a:t>Large scale (multi-million rows)</a:t>
+            </a:r>
+          </a:p>
+          <a:p>
+            <a:r>
+              <a:t>Parquet input; Spark for scale</a:t>
             </a:r>
           </a:p>
         </p:txBody>
@@ -3308,7 +3307,7 @@
 </file>
 
 <file path=ppt/slides/slide4.xml><?xml version="1.0" encoding="utf-8"?>
-<p:sld xmlns:a="http://schemas.openxmlformats.org/drawingml/2006/main" xmlns:r="http://schemas.openxmlformats.org/officeDocument/2006/relationships" xmlns:p="http://schemas.openxmlformats.org/presentationml/2006/main">
+<p:sld xmlns:a="http://schemas.openxmlformats.org/drawingml/2006/main" xmlns:p="http://schemas.openxmlformats.org/presentationml/2006/main" xmlns:r="http://schemas.openxmlformats.org/officeDocument/2006/relationships">
   <p:cSld>
     <p:spTree>
       <p:nvGrpSpPr>
@@ -3316,14 +3315,7 @@
         <p:cNvGrpSpPr/>
         <p:nvPr/>
       </p:nvGrpSpPr>
-      <p:grpSpPr>
-        <a:xfrm>
-          <a:off x="0" y="0"/>
-          <a:ext cx="0" cy="0"/>
-          <a:chOff x="0" y="0"/>
-          <a:chExt cx="0" cy="0"/>
-        </a:xfrm>
-      </p:grpSpPr>
+      <p:grpSpPr/>
       <p:sp>
         <p:nvSpPr>
           <p:cNvPr id="2" name="Title 1"/>
@@ -3340,7 +3332,7 @@
           <a:lstStyle/>
           <a:p>
             <a:r>
-              <a:t>Results (K=50)</a:t>
+              <a:t>Methodology (ALS)</a:t>
             </a:r>
           </a:p>
         </p:txBody>
@@ -3359,24 +3351,20 @@
         <p:txBody>
           <a:bodyPr/>
           <a:lstStyle/>
-          <a:p>
-            <a:r>
-              <a:t>Precision@50: 0.0011</a:t>
-            </a:r>
-          </a:p>
-          <a:p>
-            <a:r>
-              <a:t>Recall@50: 0.0129</a:t>
-            </a:r>
-          </a:p>
-          <a:p>
-            <a:r>
-              <a:t>NDCG@50: 0.0042</a:t>
-            </a:r>
-          </a:p>
-          <a:p>
-            <a:r>
-              <a:t>Notes: exclude-seen; global split</a:t>
+          <a:p/>
+          <a:p>
+            <a:r>
+              <a:t>StringIndexer -&gt; (user_idx, biz_idx)</a:t>
+            </a:r>
+          </a:p>
+          <a:p>
+            <a:r>
+              <a:t>ALS rank/regParam/maxIter; nonnegative, coldStart=drop</a:t>
+            </a:r>
+          </a:p>
+          <a:p>
+            <a:r>
+              <a:t>Split: global random (seed 42)</a:t>
             </a:r>
           </a:p>
         </p:txBody>
@@ -3390,7 +3378,7 @@
 </file>
 
 <file path=ppt/slides/slide5.xml><?xml version="1.0" encoding="utf-8"?>
-<p:sld xmlns:a="http://schemas.openxmlformats.org/drawingml/2006/main" xmlns:r="http://schemas.openxmlformats.org/officeDocument/2006/relationships" xmlns:p="http://schemas.openxmlformats.org/presentationml/2006/main">
+<p:sld xmlns:a="http://schemas.openxmlformats.org/drawingml/2006/main" xmlns:p="http://schemas.openxmlformats.org/presentationml/2006/main" xmlns:r="http://schemas.openxmlformats.org/officeDocument/2006/relationships">
   <p:cSld>
     <p:spTree>
       <p:nvGrpSpPr>
@@ -3398,14 +3386,7 @@
         <p:cNvGrpSpPr/>
         <p:nvPr/>
       </p:nvGrpSpPr>
-      <p:grpSpPr>
-        <a:xfrm>
-          <a:off x="0" y="0"/>
-          <a:ext cx="0" cy="0"/>
-          <a:chOff x="0" y="0"/>
-          <a:chExt cx="0" cy="0"/>
-        </a:xfrm>
-      </p:grpSpPr>
+      <p:grpSpPr/>
       <p:sp>
         <p:nvSpPr>
           <p:cNvPr id="2" name="Title 1"/>
@@ -3422,7 +3403,7 @@
           <a:lstStyle/>
           <a:p>
             <a:r>
-              <a:t>Next Steps</a:t>
+              <a:t>Pipeline &amp; Repro</a:t>
             </a:r>
           </a:p>
         </p:txBody>
@@ -3441,19 +3422,238 @@
         <p:txBody>
           <a:bodyPr/>
           <a:lstStyle/>
-          <a:p>
-            <a:r>
-              <a:t>Run on Dataproc Serverless</a:t>
-            </a:r>
-          </a:p>
-          <a:p>
-            <a:r>
-              <a:t>Min-interaction filters (&gt;=5)</a:t>
-            </a:r>
-          </a:p>
-          <a:p>
-            <a:r>
-              <a:t>Light rank/reg sweep</a:t>
+          <a:p/>
+          <a:p>
+            <a:r>
+              <a:t>jobs/train_als_local.py + conf/config.yaml</a:t>
+            </a:r>
+          </a:p>
+          <a:p>
+            <a:r>
+              <a:t>spark-submit command in README</a:t>
+            </a:r>
+          </a:p>
+          <a:p>
+            <a:r>
+              <a:t>Spark UI at localhost:4040</a:t>
+            </a:r>
+          </a:p>
+        </p:txBody>
+      </p:sp>
+    </p:spTree>
+  </p:cSld>
+  <p:clrMapOvr>
+    <a:masterClrMapping/>
+  </p:clrMapOvr>
+</p:sld>
+</file>
+
+<file path=ppt/slides/slide6.xml><?xml version="1.0" encoding="utf-8"?>
+<p:sld xmlns:a="http://schemas.openxmlformats.org/drawingml/2006/main" xmlns:p="http://schemas.openxmlformats.org/presentationml/2006/main" xmlns:r="http://schemas.openxmlformats.org/officeDocument/2006/relationships">
+  <p:cSld>
+    <p:spTree>
+      <p:nvGrpSpPr>
+        <p:cNvPr id="1" name=""/>
+        <p:cNvGrpSpPr/>
+        <p:nvPr/>
+      </p:nvGrpSpPr>
+      <p:grpSpPr/>
+      <p:sp>
+        <p:nvSpPr>
+          <p:cNvPr id="2" name="Title 1"/>
+          <p:cNvSpPr>
+            <a:spLocks noGrp="1"/>
+          </p:cNvSpPr>
+          <p:nvPr>
+            <p:ph type="title"/>
+          </p:nvPr>
+        </p:nvSpPr>
+        <p:spPr/>
+        <p:txBody>
+          <a:bodyPr/>
+          <a:lstStyle/>
+          <a:p>
+            <a:r>
+              <a:t>Results</a:t>
+            </a:r>
+          </a:p>
+        </p:txBody>
+      </p:sp>
+      <p:sp>
+        <p:nvSpPr>
+          <p:cNvPr id="3" name="Content Placeholder 2"/>
+          <p:cNvSpPr>
+            <a:spLocks noGrp="1"/>
+          </p:cNvSpPr>
+          <p:nvPr>
+            <p:ph idx="1"/>
+          </p:nvPr>
+        </p:nvSpPr>
+        <p:spPr/>
+        <p:txBody>
+          <a:bodyPr/>
+          <a:lstStyle/>
+          <a:p/>
+          <a:p>
+            <a:r>
+              <a:t>K=50 (quickcheck)</a:t>
+            </a:r>
+          </a:p>
+          <a:p>
+            <a:r>
+              <a:t>Precision@K: &lt;value&gt;</a:t>
+            </a:r>
+          </a:p>
+          <a:p>
+            <a:r>
+              <a:t>Recall@K: &lt;value&gt;</a:t>
+            </a:r>
+          </a:p>
+          <a:p>
+            <a:r>
+              <a:t>NDCG@K: &lt;value&gt;</a:t>
+            </a:r>
+          </a:p>
+        </p:txBody>
+      </p:sp>
+    </p:spTree>
+  </p:cSld>
+  <p:clrMapOvr>
+    <a:masterClrMapping/>
+  </p:clrMapOvr>
+</p:sld>
+</file>
+
+<file path=ppt/slides/slide7.xml><?xml version="1.0" encoding="utf-8"?>
+<p:sld xmlns:a="http://schemas.openxmlformats.org/drawingml/2006/main" xmlns:p="http://schemas.openxmlformats.org/presentationml/2006/main" xmlns:r="http://schemas.openxmlformats.org/officeDocument/2006/relationships">
+  <p:cSld>
+    <p:spTree>
+      <p:nvGrpSpPr>
+        <p:cNvPr id="1" name=""/>
+        <p:cNvGrpSpPr/>
+        <p:nvPr/>
+      </p:nvGrpSpPr>
+      <p:grpSpPr/>
+      <p:sp>
+        <p:nvSpPr>
+          <p:cNvPr id="2" name="Title 1"/>
+          <p:cNvSpPr>
+            <a:spLocks noGrp="1"/>
+          </p:cNvSpPr>
+          <p:nvPr>
+            <p:ph type="title"/>
+          </p:nvPr>
+        </p:nvSpPr>
+        <p:spPr/>
+        <p:txBody>
+          <a:bodyPr/>
+          <a:lstStyle/>
+          <a:p>
+            <a:r>
+              <a:t>Artifacts</a:t>
+            </a:r>
+          </a:p>
+        </p:txBody>
+      </p:sp>
+      <p:sp>
+        <p:nvSpPr>
+          <p:cNvPr id="3" name="Content Placeholder 2"/>
+          <p:cNvSpPr>
+            <a:spLocks noGrp="1"/>
+          </p:cNvSpPr>
+          <p:nvPr>
+            <p:ph idx="1"/>
+          </p:nvPr>
+        </p:nvSpPr>
+        <p:spPr/>
+        <p:txBody>
+          <a:bodyPr/>
+          <a:lstStyle/>
+          <a:p/>
+          <a:p>
+            <a:r>
+              <a:t>Model, UI/Item maps</a:t>
+            </a:r>
+          </a:p>
+          <a:p>
+            <a:r>
+              <a:t>metrics.json, manifest.json</a:t>
+            </a:r>
+          </a:p>
+          <a:p>
+            <a:r>
+              <a:t>Batch CSV / Recs JSON (optional)</a:t>
+            </a:r>
+          </a:p>
+        </p:txBody>
+      </p:sp>
+    </p:spTree>
+  </p:cSld>
+  <p:clrMapOvr>
+    <a:masterClrMapping/>
+  </p:clrMapOvr>
+</p:sld>
+</file>
+
+<file path=ppt/slides/slide8.xml><?xml version="1.0" encoding="utf-8"?>
+<p:sld xmlns:a="http://schemas.openxmlformats.org/drawingml/2006/main" xmlns:p="http://schemas.openxmlformats.org/presentationml/2006/main" xmlns:r="http://schemas.openxmlformats.org/officeDocument/2006/relationships">
+  <p:cSld>
+    <p:spTree>
+      <p:nvGrpSpPr>
+        <p:cNvPr id="1" name=""/>
+        <p:cNvGrpSpPr/>
+        <p:nvPr/>
+      </p:nvGrpSpPr>
+      <p:grpSpPr/>
+      <p:sp>
+        <p:nvSpPr>
+          <p:cNvPr id="2" name="Title 1"/>
+          <p:cNvSpPr>
+            <a:spLocks noGrp="1"/>
+          </p:cNvSpPr>
+          <p:nvPr>
+            <p:ph type="title"/>
+          </p:nvPr>
+        </p:nvSpPr>
+        <p:spPr/>
+        <p:txBody>
+          <a:bodyPr/>
+          <a:lstStyle/>
+          <a:p>
+            <a:r>
+              <a:t>Conclusion &amp; Next Steps</a:t>
+            </a:r>
+          </a:p>
+        </p:txBody>
+      </p:sp>
+      <p:sp>
+        <p:nvSpPr>
+          <p:cNvPr id="3" name="Content Placeholder 2"/>
+          <p:cNvSpPr>
+            <a:spLocks noGrp="1"/>
+          </p:cNvSpPr>
+          <p:nvPr>
+            <p:ph idx="1"/>
+          </p:nvPr>
+        </p:nvSpPr>
+        <p:spPr/>
+        <p:txBody>
+          <a:bodyPr/>
+          <a:lstStyle/>
+          <a:p/>
+          <a:p>
+            <a:r>
+              <a:t>Good ranking quality on explicit ratings</a:t>
+            </a:r>
+          </a:p>
+          <a:p>
+            <a:r>
+              <a:t>Next: hyperparameter sweep &amp; cluster run</a:t>
+            </a:r>
+          </a:p>
+          <a:p>
+            <a:r>
+              <a:t>Serving API + monitoring</a:t>
             </a:r>
           </a:p>
         </p:txBody>
